--- a/documents/posters/Dahlquist-et-al_BOSC_ISMB_2016_poster.pptx
+++ b/documents/posters/Dahlquist-et-al_BOSC_ISMB_2016_poster.pptx
@@ -11065,15 +11065,7 @@
                           <a:ea typeface="Arial Unicode MS" panose="020B0604020202020204" pitchFamily="34" charset="-128"/>
                           <a:cs typeface="Arial Unicode MS" panose="020B0604020202020204" pitchFamily="34" charset="-128"/>
                         </a:rPr>
-                        <a:t>GRNsight Test </a:t>
-                      </a:r>
-                      <a:r>
-                        <a:rPr lang="en-US" sz="2000" b="1" smtClean="0">
-                          <a:latin typeface="Arial Unicode MS" panose="020B0604020202020204" pitchFamily="34" charset="-128"/>
-                          <a:ea typeface="Arial Unicode MS" panose="020B0604020202020204" pitchFamily="34" charset="-128"/>
-                          <a:cs typeface="Arial Unicode MS" panose="020B0604020202020204" pitchFamily="34" charset="-128"/>
-                        </a:rPr>
-                        <a:t>Coverage </a:t>
+                        <a:t>GRNsight Test Coverage </a:t>
                       </a:r>
                       <a:r>
                         <a:rPr lang="en-US" sz="2000" b="1" dirty="0" smtClean="0">
@@ -14346,31 +14338,7 @@
                   <a:srgbClr val="16693F"/>
                 </a:solidFill>
               </a:rPr>
-              <a:t>A “medium-scale</a:t>
-            </a:r>
-            <a:r>
-              <a:rPr lang="en-US" sz="2800" b="1" smtClean="0">
-                <a:solidFill>
-                  <a:srgbClr val="16693F"/>
-                </a:solidFill>
-              </a:rPr>
-              <a:t>” </a:t>
-            </a:r>
-            <a:r>
-              <a:rPr lang="en-US" sz="2800" b="1" smtClean="0">
-                <a:solidFill>
-                  <a:srgbClr val="16693F"/>
-                </a:solidFill>
-              </a:rPr>
-              <a:t>ge</a:t>
-            </a:r>
-            <a:r>
-              <a:rPr lang="en-US" sz="2800" b="1" smtClean="0">
-                <a:solidFill>
-                  <a:srgbClr val="16693F"/>
-                </a:solidFill>
-              </a:rPr>
-              <a:t>ne </a:t>
+              <a:t>A “medium-scale” gene </a:t>
             </a:r>
             <a:r>
               <a:rPr lang="en-US" sz="2800" b="1">
@@ -14402,39 +14370,7 @@
                   <a:srgbClr val="16693F"/>
                 </a:solidFill>
               </a:rPr>
-              <a:t>etwork </a:t>
-            </a:r>
-            <a:r>
-              <a:rPr lang="en-US" sz="2800" b="1" smtClean="0">
-                <a:solidFill>
-                  <a:srgbClr val="16693F"/>
-                </a:solidFill>
-              </a:rPr>
-              <a:t>that </a:t>
-            </a:r>
-            <a:r>
-              <a:rPr lang="en-US" sz="2800" b="1" smtClean="0">
-                <a:solidFill>
-                  <a:srgbClr val="16693F"/>
-                </a:solidFill>
-              </a:rPr>
-              <a:t>regulates </a:t>
-            </a:r>
-            <a:r>
-              <a:rPr lang="en-US" sz="2800" b="1" smtClean="0">
-                <a:solidFill>
-                  <a:srgbClr val="16693F"/>
-                </a:solidFill>
-              </a:rPr>
-              <a:t>the </a:t>
-            </a:r>
-            <a:r>
-              <a:rPr lang="en-US" sz="2800" b="1" smtClean="0">
-                <a:solidFill>
-                  <a:srgbClr val="16693F"/>
-                </a:solidFill>
-              </a:rPr>
-              <a:t>cold shock response</a:t>
+              <a:t>etwork that regulates the cold shock response</a:t>
             </a:r>
             <a:endParaRPr lang="en-US" sz="2800" b="1" dirty="0">
               <a:solidFill>
@@ -14732,31 +14668,7 @@
                   <a:srgbClr val="16693F"/>
                 </a:solidFill>
               </a:rPr>
-              <a:t>GRNmap: Gene Regulatory Network </a:t>
-            </a:r>
-            <a:r>
-              <a:rPr lang="en-US" sz="2800" b="1" smtClean="0">
-                <a:solidFill>
-                  <a:srgbClr val="16693F"/>
-                </a:solidFill>
-              </a:rPr>
-              <a:t>modeling </a:t>
-            </a:r>
-            <a:r>
-              <a:rPr lang="en-US" sz="2800" b="1" smtClean="0">
-                <a:solidFill>
-                  <a:srgbClr val="16693F"/>
-                </a:solidFill>
-              </a:rPr>
-              <a:t>and </a:t>
-            </a:r>
-            <a:r>
-              <a:rPr lang="en-US" sz="2800" b="1" smtClean="0">
-                <a:solidFill>
-                  <a:srgbClr val="16693F"/>
-                </a:solidFill>
-              </a:rPr>
-              <a:t>parameter </a:t>
+              <a:t>GRNmap: Gene Regulatory Network modeling and parameter </a:t>
             </a:r>
             <a:r>
               <a:rPr lang="en-US" sz="2800" b="1">
@@ -14884,7 +14796,7 @@
           <a:graphicData uri="http://schemas.openxmlformats.org/presentationml/2006/ole">
             <mc:AlternateContent xmlns:mc="http://schemas.openxmlformats.org/markup-compatibility/2006">
               <mc:Choice xmlns:v="urn:schemas-microsoft-com:vml" Requires="v">
-                <p:oleObj spid="_x0000_s1121" name="Equation" r:id="rId10" imgW="2870200" imgH="711200" progId="Equation.3">
+                <p:oleObj spid="_x0000_s1125" name="Equation" r:id="rId10" imgW="2870200" imgH="711200" progId="Equation.3">
                   <p:embed/>
                 </p:oleObj>
               </mc:Choice>
@@ -15342,15 +15254,7 @@
                   <a:srgbClr val="16693F"/>
                 </a:solidFill>
               </a:rPr>
-              <a:t>the </a:t>
-            </a:r>
-            <a:r>
-              <a:rPr lang="en-US" altLang="en-US" sz="2800" smtClean="0">
-                <a:solidFill>
-                  <a:srgbClr val="16693F"/>
-                </a:solidFill>
-              </a:rPr>
-              <a:t>large </a:t>
+              <a:t>the large </a:t>
             </a:r>
             <a:r>
               <a:rPr lang="en-US" altLang="en-US" sz="2800">
@@ -15366,23 +15270,7 @@
                   <a:srgbClr val="16693F"/>
                 </a:solidFill>
               </a:rPr>
-              <a:t>umber </a:t>
-            </a:r>
-            <a:r>
-              <a:rPr lang="en-US" altLang="en-US" sz="2800" smtClean="0">
-                <a:solidFill>
-                  <a:srgbClr val="16693F"/>
-                </a:solidFill>
-              </a:rPr>
-              <a:t>of </a:t>
-            </a:r>
-            <a:r>
-              <a:rPr lang="en-US" altLang="en-US" sz="2800" smtClean="0">
-                <a:solidFill>
-                  <a:srgbClr val="16693F"/>
-                </a:solidFill>
-              </a:rPr>
-              <a:t>parameters </a:t>
+              <a:t>umber of parameters </a:t>
             </a:r>
             <a:r>
               <a:rPr lang="en-US" altLang="en-US" sz="2800">
@@ -15398,15 +15286,7 @@
                   <a:srgbClr val="16693F"/>
                 </a:solidFill>
               </a:rPr>
-              <a:t>equired </a:t>
-            </a:r>
-            <a:r>
-              <a:rPr lang="en-US" altLang="en-US" sz="2800" smtClean="0">
-                <a:solidFill>
-                  <a:srgbClr val="16693F"/>
-                </a:solidFill>
-              </a:rPr>
-              <a:t>the </a:t>
+              <a:t>equired the </a:t>
             </a:r>
             <a:r>
               <a:rPr lang="en-US" altLang="en-US" sz="2800" dirty="0">
@@ -15446,23 +15326,7 @@
                   <a:srgbClr val="16693F"/>
                 </a:solidFill>
               </a:rPr>
-              <a:t>regularization (penalty</a:t>
-            </a:r>
-            <a:r>
-              <a:rPr lang="en-US" altLang="en-US" sz="2800" smtClean="0">
-                <a:solidFill>
-                  <a:srgbClr val="16693F"/>
-                </a:solidFill>
-              </a:rPr>
-              <a:t>) </a:t>
-            </a:r>
-            <a:r>
-              <a:rPr lang="en-US" altLang="en-US" sz="2800" smtClean="0">
-                <a:solidFill>
-                  <a:srgbClr val="16693F"/>
-                </a:solidFill>
-              </a:rPr>
-              <a:t>term.</a:t>
+              <a:t>regularization (penalty) term.</a:t>
             </a:r>
             <a:endParaRPr lang="en-US" altLang="en-US" sz="2800" dirty="0">
               <a:solidFill>
@@ -15625,11 +15489,7 @@
             </a:r>
             <a:r>
               <a:rPr lang="en-US" altLang="en-US" sz="2000" smtClean="0"/>
-              <a:t>(</a:t>
-            </a:r>
-            <a:r>
-              <a:rPr lang="en-US" altLang="en-US" sz="2000" smtClean="0"/>
-              <a:t>2 X no. of genes) + no. of edges.</a:t>
+              <a:t>(2 X no. of genes) + no. of edges.</a:t>
             </a:r>
             <a:endParaRPr lang="en-US" altLang="en-US" sz="2000" dirty="0"/>
           </a:p>
@@ -15717,7 +15577,6 @@
               <a:rPr lang="en-US" altLang="en-US" smtClean="0"/>
               <a:t>the </a:t>
             </a:r>
-            <a:endParaRPr lang="en-US" altLang="en-US" smtClean="0"/>
           </a:p>
           <a:p>
             <a:pPr marL="0" indent="0" eaLnBrk="1" hangingPunct="1"/>
@@ -15755,7 +15614,7 @@
           <a:graphicData uri="http://schemas.openxmlformats.org/presentationml/2006/ole">
             <mc:AlternateContent xmlns:mc="http://schemas.openxmlformats.org/markup-compatibility/2006">
               <mc:Choice xmlns:v="urn:schemas-microsoft-com:vml" Requires="v">
-                <p:oleObj spid="_x0000_s1122" name="Equation" r:id="rId13" imgW="2108160" imgH="444240" progId="Equation.3">
+                <p:oleObj spid="_x0000_s1126" name="Equation" r:id="rId13" imgW="2108160" imgH="444240" progId="Equation.3">
                   <p:embed/>
                 </p:oleObj>
               </mc:Choice>
@@ -16557,23 +16416,15 @@
                   <a:srgbClr val="16693F"/>
                 </a:solidFill>
               </a:rPr>
-              <a:t>pproach </a:t>
-            </a:r>
-            <a:r>
-              <a:rPr lang="en-US" altLang="en-US" sz="2800" smtClean="0">
+              <a:t>pproach to understanding the regulation </a:t>
+            </a:r>
+            <a:r>
+              <a:rPr lang="en-US" altLang="en-US" sz="2800" dirty="0" smtClean="0">
                 <a:solidFill>
                   <a:srgbClr val="16693F"/>
                 </a:solidFill>
               </a:rPr>
-              <a:t>to </a:t>
-            </a:r>
-            <a:r>
-              <a:rPr lang="en-US" altLang="en-US" sz="2800" smtClean="0">
-                <a:solidFill>
-                  <a:srgbClr val="16693F"/>
-                </a:solidFill>
-              </a:rPr>
-              <a:t>understanding </a:t>
+              <a:t>of </a:t>
             </a:r>
             <a:r>
               <a:rPr lang="en-US" altLang="en-US" sz="2800" smtClean="0">
@@ -16584,30 +16435,6 @@
               <a:t>the </a:t>
             </a:r>
             <a:r>
-              <a:rPr lang="en-US" altLang="en-US" sz="2800" smtClean="0">
-                <a:solidFill>
-                  <a:srgbClr val="16693F"/>
-                </a:solidFill>
-              </a:rPr>
-              <a:t>regulation </a:t>
-            </a:r>
-            <a:r>
-              <a:rPr lang="en-US" altLang="en-US" sz="2800" dirty="0" smtClean="0">
-                <a:solidFill>
-                  <a:srgbClr val="16693F"/>
-                </a:solidFill>
-              </a:rPr>
-              <a:t>of </a:t>
-            </a:r>
-            <a:r>
-              <a:rPr lang="en-US" altLang="en-US" sz="2800" smtClean="0">
-                <a:solidFill>
-                  <a:srgbClr val="16693F"/>
-                </a:solidFill>
-              </a:rPr>
-              <a:t>the </a:t>
-            </a:r>
-            <a:r>
               <a:rPr lang="en-US" altLang="en-US" sz="2800">
                 <a:solidFill>
                   <a:srgbClr val="16693F"/>
@@ -16637,23 +16464,7 @@
                   <a:srgbClr val="16693F"/>
                 </a:solidFill>
               </a:rPr>
-              <a:t>hock response </a:t>
-            </a:r>
-            <a:r>
-              <a:rPr lang="en-US" altLang="en-US" sz="2800" smtClean="0">
-                <a:solidFill>
-                  <a:srgbClr val="16693F"/>
-                </a:solidFill>
-              </a:rPr>
-              <a:t>in </a:t>
-            </a:r>
-            <a:r>
-              <a:rPr lang="en-US" altLang="en-US" sz="2800" smtClean="0">
-                <a:solidFill>
-                  <a:srgbClr val="16693F"/>
-                </a:solidFill>
-              </a:rPr>
-              <a:t>yeast</a:t>
+              <a:t>hock response in yeast</a:t>
             </a:r>
             <a:endParaRPr lang="en-US" altLang="en-US" sz="2800" i="1" dirty="0">
               <a:solidFill>
@@ -18165,15 +17976,7 @@
                   <a:schemeClr val="tx1"/>
                 </a:solidFill>
               </a:rPr>
-              <a:t> fold change (ratio) over time</a:t>
-            </a:r>
-            <a:r>
-              <a:rPr lang="en-US" altLang="en-US" sz="2400" b="1">
-                <a:solidFill>
-                  <a:schemeClr val="tx1"/>
-                </a:solidFill>
-              </a:rPr>
-              <a:t>. </a:t>
+              <a:t> fold change (ratio) over time. </a:t>
             </a:r>
             <a:endParaRPr lang="en-US" altLang="en-US" sz="2400" b="1" smtClean="0">
               <a:solidFill>
@@ -18210,16 +18013,7 @@
                 </a:solidFill>
                 <a:latin typeface="Arial" panose="020B0604020202020204" pitchFamily="34" charset="0"/>
               </a:rPr>
-              <a:t> in each panel gives the model with the best fit parameters</a:t>
-            </a:r>
-            <a:r>
-              <a:rPr lang="en-US" altLang="en-US" sz="2400" b="1">
-                <a:solidFill>
-                  <a:schemeClr val="tx1"/>
-                </a:solidFill>
-                <a:latin typeface="Arial" panose="020B0604020202020204" pitchFamily="34" charset="0"/>
-              </a:rPr>
-              <a:t>. </a:t>
+              <a:t> in each panel gives the model with the best fit parameters. </a:t>
             </a:r>
             <a:endParaRPr lang="en-US" altLang="en-US" sz="2400" b="1" smtClean="0">
               <a:solidFill>
@@ -18276,16 +18070,7 @@
                 </a:solidFill>
                 <a:latin typeface="Arial" panose="020B0604020202020204" pitchFamily="34" charset="0"/>
               </a:rPr>
-              <a:t> provide a 95 % confidence interval for the data</a:t>
-            </a:r>
-            <a:r>
-              <a:rPr lang="en-US" altLang="en-US" sz="2400" b="1">
-                <a:solidFill>
-                  <a:schemeClr val="tx1"/>
-                </a:solidFill>
-                <a:latin typeface="Arial" panose="020B0604020202020204" pitchFamily="34" charset="0"/>
-              </a:rPr>
-              <a:t>. </a:t>
+              <a:t> provide a 95 % confidence interval for the data. </a:t>
             </a:r>
             <a:endParaRPr lang="en-US" altLang="en-US" sz="2400" b="1" smtClean="0">
               <a:solidFill>
@@ -18350,15 +18135,7 @@
                   <a:schemeClr val="tx1"/>
                 </a:solidFill>
               </a:rPr>
-              <a:t> extends outside of the graphic </a:t>
-            </a:r>
-            <a:r>
-              <a:rPr lang="en-US" altLang="en-US" sz="2400" b="1">
-                <a:solidFill>
-                  <a:schemeClr val="tx1"/>
-                </a:solidFill>
-              </a:rPr>
-              <a:t>coordinate </a:t>
+              <a:t> extends outside of the graphic coordinate </a:t>
             </a:r>
             <a:r>
               <a:rPr lang="en-US" altLang="en-US" sz="2400" b="1" smtClean="0">
@@ -18432,11 +18209,7 @@
             </a:r>
             <a:r>
               <a:rPr lang="en-US" sz="2400" b="1"/>
-              <a:t>refactored the script-based software with global variables into a function-based package that uses an object to carry relevant information from function to function. This modular approach allows for cleaner, less ambiguous code and increased maintainability</a:t>
-            </a:r>
-            <a:r>
-              <a:rPr lang="en-US" sz="2400" b="1"/>
-              <a:t>. </a:t>
+              <a:t>refactored the script-based software with global variables into a function-based package that uses an object to carry relevant information from function to function. This modular approach allows for cleaner, less ambiguous code and increased maintainability. </a:t>
             </a:r>
             <a:endParaRPr lang="en-US" sz="2400" b="1" smtClean="0"/>
           </a:p>
@@ -18451,11 +18224,7 @@
             </a:r>
             <a:r>
               <a:rPr lang="en-US" sz="2400" b="1"/>
-              <a:t>have also implemented a unit-testing framework</a:t>
-            </a:r>
-            <a:r>
-              <a:rPr lang="en-US" sz="2400" b="1"/>
-              <a:t>. </a:t>
+              <a:t>have also implemented a unit-testing framework. </a:t>
             </a:r>
             <a:endParaRPr lang="en-US" sz="2400" b="1" smtClean="0"/>
           </a:p>
@@ -18470,11 +18239,7 @@
             </a:r>
             <a:r>
               <a:rPr lang="en-US" sz="2400" b="1"/>
-              <a:t>used the MATLAB compiler to create an executable file that can be run on any Windows machine without the need of a </a:t>
-            </a:r>
-            <a:r>
-              <a:rPr lang="en-US" sz="2400" b="1"/>
-              <a:t>MATLAB </a:t>
+              <a:t>used the MATLAB compiler to create an executable file that can be run on any Windows machine without the need of a MATLAB </a:t>
             </a:r>
             <a:r>
               <a:rPr lang="en-US" sz="2400" b="1" smtClean="0"/>
@@ -18492,11 +18257,7 @@
             </a:r>
             <a:r>
               <a:rPr lang="en-US" sz="2400" b="1"/>
-              <a:t>option to use a Michaelis-Menten production function as well as the sigmoidal </a:t>
-            </a:r>
-            <a:r>
-              <a:rPr lang="en-US" sz="2400" b="1"/>
-              <a:t>production </a:t>
+              <a:t>option to use a Michaelis-Menten production function as well as the sigmoidal production </a:t>
             </a:r>
             <a:r>
               <a:rPr lang="en-US" sz="2400" b="1" smtClean="0"/>
@@ -18870,11 +18631,7 @@
             </a:pPr>
             <a:r>
               <a:rPr lang="en-US" sz="2400" b="1"/>
-              <a:t>Screenshot of </a:t>
-            </a:r>
-            <a:r>
-              <a:rPr lang="en-US" sz="2400" b="1"/>
-              <a:t>the </a:t>
+              <a:t>Screenshot of the </a:t>
             </a:r>
             <a:r>
               <a:rPr lang="en-US" sz="2400" b="1" smtClean="0"/>
@@ -18926,11 +18683,7 @@
             </a:r>
             <a:r>
               <a:rPr lang="en-US" sz="2000" b="1"/>
-              <a:t>diagrams are based on D3.js’s force graph layout algorithm (Bostock, Ogievetsky, and Heer, 2011), which was then </a:t>
-            </a:r>
-            <a:r>
-              <a:rPr lang="en-US" sz="2000" b="1"/>
-              <a:t>extensively </a:t>
+              <a:t>diagrams are based on D3.js’s force graph layout algorithm (Bostock, Ogievetsky, and Heer, 2011), which was then extensively </a:t>
             </a:r>
             <a:r>
               <a:rPr lang="en-US" sz="2000" b="1" smtClean="0"/>
@@ -18952,11 +18705,7 @@
             </a:r>
             <a:r>
               <a:rPr lang="en-US" sz="2000" b="1"/>
-              <a:t>nodes were made rectangular</a:t>
-            </a:r>
-            <a:r>
-              <a:rPr lang="en-US" sz="2000" b="1"/>
-              <a:t>; </a:t>
+              <a:t>nodes were made rectangular; </a:t>
             </a:r>
             <a:r>
               <a:rPr lang="en-US" sz="2000" b="1" smtClean="0"/>
@@ -18964,11 +18713,7 @@
             </a:r>
             <a:r>
               <a:rPr lang="en-US" sz="2000" b="1"/>
-              <a:t>label of up to 12 characters was added</a:t>
-            </a:r>
-            <a:r>
-              <a:rPr lang="en-US" sz="2000" b="1"/>
-              <a:t>; </a:t>
+              <a:t>label of up to 12 characters was added; </a:t>
             </a:r>
             <a:r>
               <a:rPr lang="en-US" sz="2000" b="1" smtClean="0"/>
@@ -18976,11 +18721,7 @@
             </a:r>
             <a:r>
               <a:rPr lang="en-US" sz="2000" b="1"/>
-              <a:t>size was varied, depending on the size of the </a:t>
-            </a:r>
-            <a:r>
-              <a:rPr lang="en-US" sz="2000" b="1"/>
-              <a:t>label</a:t>
+              <a:t>size was varied, depending on the size of the label</a:t>
             </a:r>
             <a:r>
               <a:rPr lang="en-US" sz="2000" b="1" smtClean="0"/>
@@ -18998,11 +18739,7 @@
             </a:r>
             <a:r>
               <a:rPr lang="en-US" sz="2000" b="1"/>
-              <a:t>edges display as directed edges.  They are implemented as Bezier curves that straighten when nodes are close together and curve when nodes are far apart.  A special case was added to form a looping edge if a node regulated itself</a:t>
-            </a:r>
-            <a:r>
-              <a:rPr lang="en-US" sz="2000" b="1"/>
-              <a:t>.  </a:t>
+              <a:t>edges display as directed edges.  They are implemented as Bezier curves that straighten when nodes are close together and curve when nodes are far apart.  A special case was added to form a looping edge if a node regulated itself.  </a:t>
             </a:r>
             <a:endParaRPr lang="en-US" sz="2000" b="1" smtClean="0"/>
           </a:p>
@@ -19017,11 +18754,7 @@
             </a:r>
             <a:r>
               <a:rPr lang="en-US" sz="2000" b="1"/>
-              <a:t>an unweighted adjacency matrix is uploaded, all edges are displayed as black with pointed arrowheads.  When a weighted adjacency matrix is uploaded, edges are further customized based on the sign and magnitude of the weight parameter</a:t>
-            </a:r>
-            <a:r>
-              <a:rPr lang="en-US" sz="2000" b="1"/>
-              <a:t>. </a:t>
+              <a:t>an unweighted adjacency matrix is uploaded, all edges are displayed as black with pointed arrowheads.  When a weighted adjacency matrix is uploaded, edges are further customized based on the sign and magnitude of the weight parameter. </a:t>
             </a:r>
             <a:r>
               <a:rPr lang="en-US" sz="2000" b="1" smtClean="0"/>
@@ -19029,11 +18762,7 @@
             </a:r>
             <a:r>
               <a:rPr lang="en-US" sz="2000" b="1"/>
-              <a:t>(for positive weights) is represented by pointed arrowheads, and repression (for negative weights) is represented by a blunt </a:t>
-            </a:r>
-            <a:r>
-              <a:rPr lang="en-US" sz="2000" b="1"/>
-              <a:t>end </a:t>
+              <a:t>(for positive weights) is represented by pointed arrowheads, and repression (for negative weights) is represented by a blunt end </a:t>
             </a:r>
             <a:r>
               <a:rPr lang="en-US" sz="2000" b="1" smtClean="0"/>
@@ -19051,11 +18780,7 @@
             </a:r>
             <a:r>
               <a:rPr lang="en-US" sz="2000" b="1"/>
-              <a:t>thickness of the edge also varies based on the magnitude of the absolute value of the </a:t>
-            </a:r>
-            <a:r>
-              <a:rPr lang="en-US" sz="2000" b="1"/>
-              <a:t>weight</a:t>
+              <a:t>thickness of the edge also varies based on the magnitude of the absolute value of the weight</a:t>
             </a:r>
             <a:r>
               <a:rPr lang="en-US" sz="2000" b="1" smtClean="0"/>
@@ -19063,11 +18788,7 @@
             </a:r>
             <a:r>
               <a:rPr lang="en-US" sz="2000" b="1"/>
-              <a:t>divides all weight values by the absolute value of the maximum weight in the adjacency matrix to normalize all the values to between zero and 1.  GRNsight then adjusts the thickness of the lines to vary continuously from the minimum thickness (for normalized weights near zero) to maximum thickness (normalized weight of 1</a:t>
-            </a:r>
-            <a:r>
-              <a:rPr lang="en-US" sz="2000" b="1"/>
-              <a:t>).  </a:t>
+              <a:t>divides all weight values by the absolute value of the maximum weight in the adjacency matrix to normalize all the values to between zero and 1.  GRNsight then adjusts the thickness of the lines to vary continuously from the minimum thickness (for normalized weights near zero) to maximum thickness (normalized weight of 1).  </a:t>
             </a:r>
             <a:endParaRPr lang="en-US" sz="2000" b="1" smtClean="0"/>
           </a:p>
@@ -19082,11 +18803,7 @@
             </a:r>
             <a:r>
               <a:rPr lang="en-US" sz="2000" b="1"/>
-              <a:t>with positive normalized weight values from 0.05 to 1 are colored magenta; edges with negative normalized weight values from -0.05 to -1 are colored cyan. Edges with normalized weight values between -0.05 and 0.05 are colored grey to emphasize that their normalized magnitude is near zero and that they have a weak influence on the target gene</a:t>
-            </a:r>
-            <a:r>
-              <a:rPr lang="en-US" sz="2000" b="1"/>
-              <a:t>.  </a:t>
+              <a:t>with positive normalized weight values from 0.05 to 1 are colored magenta; edges with negative normalized weight values from -0.05 to -1 are colored cyan. Edges with normalized weight values between -0.05 and 0.05 are colored grey to emphasize that their normalized magnitude is near zero and that they have a weak influence on the target gene.  </a:t>
             </a:r>
             <a:endParaRPr lang="en-US" sz="2000" b="1" smtClean="0"/>
           </a:p>
@@ -19101,11 +18818,7 @@
             </a:r>
             <a:r>
               <a:rPr lang="en-US" sz="2000" b="1"/>
-              <a:t>a user mouses over an edge, the numerical value of the weight parameter is displayed</a:t>
-            </a:r>
-            <a:r>
-              <a:rPr lang="en-US" sz="2000" b="1"/>
-              <a:t>.  </a:t>
+              <a:t>a user mouses over an edge, the numerical value of the weight parameter is displayed.  </a:t>
             </a:r>
             <a:endParaRPr lang="en-US" sz="2000" b="1" smtClean="0"/>
           </a:p>
@@ -19319,15 +19032,7 @@
                   <a:srgbClr val="16693F"/>
                 </a:solidFill>
               </a:rPr>
-              <a:t>of </a:t>
-            </a:r>
-            <a:r>
-              <a:rPr lang="en-US" sz="2800" b="1">
-                <a:solidFill>
-                  <a:srgbClr val="16693F"/>
-                </a:solidFill>
-              </a:rPr>
-              <a:t>GRN </a:t>
+              <a:t>of GRN </a:t>
             </a:r>
             <a:r>
               <a:rPr lang="en-US" sz="2800" b="1" smtClean="0">
@@ -19381,11 +19086,7 @@
             </a:pPr>
             <a:r>
               <a:rPr lang="en-US" sz="2000" b="1"/>
-              <a:t>Side-by-side comparison of the same adjacency matrices laid out by GRNsight and by hand. A) GRNsight automatic layout of the demonstration file, Demo #3: Unweighted GRN (21 genes, 31 edges); B) graph from (A) manually manipulated from within GRNsight; C) the same adjacency matrix from (A) and (B) laid out entirely by hand in Adobe Illustrator, corresponding to Figure 1 of Dahlquist et al., (2015); D) GRNsight automatic layout of the demonstration file, Demo #4: Weighted GRN (21 genes, 31 edges, Schade et al. 2004 data); E) graph from (D) manually manipulated from within GRNsight; F) the same adjacency matrix from (D) and (E) laid out entirely by hand in Adobe Illustrator, corresponding to Figure 8 of Dahlquist et al., (</a:t>
-            </a:r>
-            <a:r>
-              <a:rPr lang="en-US" sz="2000" b="1"/>
-              <a:t>2015</a:t>
+              <a:t>Side-by-side comparison of the same adjacency matrices laid out by GRNsight and by hand. A) GRNsight automatic layout of the demonstration file, Demo #3: Unweighted GRN (21 genes, 31 edges); B) graph from (A) manually manipulated from within GRNsight; C) the same adjacency matrix from (A) and (B) laid out entirely by hand in Adobe Illustrator, corresponding to Figure 1 of Dahlquist et al., (2015); D) GRNsight automatic layout of the demonstration file, Demo #4: Weighted GRN (21 genes, 31 edges, Schade et al. 2004 data); E) graph from (D) manually manipulated from within GRNsight; F) the same adjacency matrix from (D) and (E) laid out entirely by hand in Adobe Illustrator, corresponding to Figure 8 of Dahlquist et al., (2015</a:t>
             </a:r>
             <a:r>
               <a:rPr lang="en-US" sz="2000" b="1" smtClean="0"/>
@@ -19403,11 +19104,7 @@
             </a:r>
             <a:r>
               <a:rPr lang="en-US" sz="2000" b="1"/>
-              <a:t>that this type of “by hand” manipulation of graphs is most useful for small- to medium-scale networks, the kind that GRNsight is designed to display, and would not be appropriate for large </a:t>
-            </a:r>
-            <a:r>
-              <a:rPr lang="en-US" sz="2000" b="1"/>
-              <a:t>networks</a:t>
+              <a:t>that this type of “by hand” manipulation of graphs is most useful for small- to medium-scale networks, the kind that GRNsight is designed to display, and would not be appropriate for large networks</a:t>
             </a:r>
             <a:r>
               <a:rPr lang="en-US" sz="2000" b="1" smtClean="0"/>
@@ -19447,19 +19144,7 @@
           <a:p>
             <a:r>
               <a:rPr lang="en-US" sz="1800" b="1"/>
-              <a:t>This work is partially supported </a:t>
-            </a:r>
-            <a:r>
-              <a:rPr lang="en-US" sz="1800" b="1"/>
-              <a:t>by </a:t>
-            </a:r>
-            <a:r>
-              <a:rPr lang="en-US" sz="1800" b="1"/>
-              <a:t>NSF award 0921038 (K.D.D., </a:t>
-            </a:r>
-            <a:r>
-              <a:rPr lang="en-US" sz="1800" b="1"/>
-              <a:t>B.G.F</a:t>
+              <a:t>This work is partially supported by NSF award 0921038 (K.D.D., B.G.F</a:t>
             </a:r>
             <a:r>
               <a:rPr lang="en-US" sz="1800" b="1" smtClean="0"/>
@@ -19467,11 +19152,7 @@
             </a:r>
             <a:r>
               <a:rPr lang="en-US" sz="1800" b="1"/>
-              <a:t>Loyola Marymount University Summer Undergraduate Research </a:t>
-            </a:r>
-            <a:r>
-              <a:rPr lang="en-US" sz="1800" b="1"/>
-              <a:t>Program </a:t>
+              <a:t>Loyola Marymount University Summer Undergraduate Research Program </a:t>
             </a:r>
             <a:r>
               <a:rPr lang="en-US" sz="1800" b="1" smtClean="0"/>
@@ -19479,11 +19160,7 @@
             </a:r>
             <a:r>
               <a:rPr lang="en-US" sz="1800" b="1"/>
-              <a:t>LMU Honors Summer Research </a:t>
-            </a:r>
-            <a:r>
-              <a:rPr lang="en-US" sz="1800" b="1"/>
-              <a:t>Fellowship </a:t>
+              <a:t>LMU Honors Summer Research Fellowship </a:t>
             </a:r>
             <a:r>
               <a:rPr lang="en-US" sz="1800" b="1" smtClean="0"/>
@@ -19491,11 +19168,7 @@
             </a:r>
             <a:r>
               <a:rPr lang="en-US" sz="1800" b="1"/>
-              <a:t>and the LMU Rains Research </a:t>
-            </a:r>
-            <a:r>
-              <a:rPr lang="en-US" sz="1800" b="1"/>
-              <a:t>Assistant </a:t>
+              <a:t>and the LMU Rains Research Assistant </a:t>
             </a:r>
             <a:r>
               <a:rPr lang="en-US" sz="1800" b="1" smtClean="0"/>
@@ -19533,11 +19206,7 @@
             </a:pPr>
             <a:r>
               <a:rPr lang="en-US" sz="1600" b="1"/>
-              <a:t>Bostock M., Ogievetsky V</a:t>
-            </a:r>
-            <a:r>
-              <a:rPr lang="en-US" sz="1600" b="1"/>
-              <a:t>., </a:t>
+              <a:t>Bostock M., Ogievetsky V., </a:t>
             </a:r>
             <a:r>
               <a:rPr lang="en-US" sz="1600" b="1" smtClean="0"/>
@@ -19545,11 +19214,7 @@
             </a:r>
             <a:r>
               <a:rPr lang="en-US" sz="1600" b="1"/>
-              <a:t>J</a:t>
-            </a:r>
-            <a:r>
-              <a:rPr lang="en-US" sz="1600" b="1"/>
-              <a:t>. </a:t>
+              <a:t>J. </a:t>
             </a:r>
             <a:r>
               <a:rPr lang="en-US" sz="1600" b="1" smtClean="0"/>
@@ -19577,11 +19242,7 @@
             </a:r>
             <a:r>
               <a:rPr lang="en-US" sz="1600" b="1" i="1"/>
-              <a:t>IEEE transactions on visualization and </a:t>
-            </a:r>
-            <a:r>
-              <a:rPr lang="en-US" sz="1600" b="1" i="1"/>
-              <a:t>computer </a:t>
+              <a:t>IEEE transactions on visualization and computer </a:t>
             </a:r>
             <a:r>
               <a:rPr lang="en-US" sz="1600" b="1" i="1" smtClean="0"/>
@@ -19597,11 +19258,7 @@
             </a:r>
             <a:r>
               <a:rPr lang="en-US" sz="1600" b="1"/>
-              <a:t>:2301–2309. DOI</a:t>
-            </a:r>
-            <a:r>
-              <a:rPr lang="en-US" sz="1600" b="1"/>
-              <a:t>: </a:t>
+              <a:t>:2301–2309. DOI: </a:t>
             </a:r>
             <a:r>
               <a:rPr lang="en-US" sz="1600" b="1" smtClean="0"/>
@@ -19619,11 +19276,7 @@
             </a:r>
             <a:r>
               <a:rPr lang="en-US" sz="1600" b="1"/>
-              <a:t>, K.D., Fitzpatrick, B.G., Camacho, E.T., Entzminger, </a:t>
-            </a:r>
-            <a:r>
-              <a:rPr lang="en-US" sz="1600" b="1"/>
-              <a:t>S.D</a:t>
+              <a:t>, K.D., Fitzpatrick, B.G., Camacho, E.T., Entzminger, S.D</a:t>
             </a:r>
             <a:r>
               <a:rPr lang="en-US" sz="1600" b="1" smtClean="0"/>
@@ -19647,11 +19300,7 @@
             </a:r>
             <a:r>
               <a:rPr lang="en-US" sz="1600" b="1"/>
-              <a:t>(8</a:t>
-            </a:r>
-            <a:r>
-              <a:rPr lang="en-US" sz="1600" b="1"/>
-              <a:t>), </a:t>
+              <a:t>(8), </a:t>
             </a:r>
             <a:r>
               <a:rPr lang="en-US" sz="1600" b="1" smtClean="0"/>
@@ -19659,11 +19308,7 @@
             </a:r>
             <a:r>
               <a:rPr lang="en-US" sz="1600" b="1"/>
-              <a:t>DOI</a:t>
-            </a:r>
-            <a:r>
-              <a:rPr lang="en-US" sz="1600" b="1"/>
-              <a:t>: </a:t>
+              <a:t>DOI: </a:t>
             </a:r>
             <a:r>
               <a:rPr lang="en-US" sz="1600" b="1" smtClean="0"/>
@@ -19689,11 +19334,7 @@
             </a:r>
             <a:r>
               <a:rPr lang="en-US" sz="1600" b="1"/>
-              <a:t>Southwick</a:t>
-            </a:r>
-            <a:r>
-              <a:rPr lang="en-US" sz="1600" b="1"/>
-              <a:t>, </a:t>
+              <a:t>Southwick, </a:t>
             </a:r>
             <a:r>
               <a:rPr lang="en-US" sz="1600" b="1" smtClean="0"/>
@@ -19705,11 +19346,7 @@
             </a:r>
             <a:r>
               <a:rPr lang="en-US" sz="1600" b="1" i="1"/>
-              <a:t>PeerJ </a:t>
-            </a:r>
-            <a:r>
-              <a:rPr lang="en-US" sz="1600" b="1" i="1"/>
-              <a:t>Preprints</a:t>
+              <a:t>PeerJ Preprints</a:t>
             </a:r>
             <a:r>
               <a:rPr lang="en-US" sz="1600" b="1"/>
@@ -19727,11 +19364,7 @@
             </a:pPr>
             <a:r>
               <a:rPr lang="en-US" sz="1600" b="1"/>
-              <a:t>Freeman, S. (2002) Biological Science. Upper Saddle River, New Jersey: Prentice </a:t>
-            </a:r>
-            <a:r>
-              <a:rPr lang="en-US" sz="1600" b="1"/>
-              <a:t>Hall</a:t>
+              <a:t>Freeman, S. (2002) Biological Science. Upper Saddle River, New Jersey: Prentice Hall</a:t>
             </a:r>
             <a:r>
               <a:rPr lang="en-US" sz="1600" b="1" smtClean="0"/>
@@ -19745,123 +19378,87 @@
             </a:pPr>
             <a:r>
               <a:rPr lang="en-US" sz="1600" b="1"/>
-              <a:t>Teixeira</a:t>
+              <a:t>Teixeira, </a:t>
+            </a:r>
+            <a:r>
+              <a:rPr lang="en-US" sz="1600" b="1" smtClean="0"/>
+              <a:t>M.C</a:t>
+            </a:r>
+            <a:r>
+              <a:rPr lang="en-US" sz="1600" b="1"/>
+              <a:t>., Monteiro, </a:t>
+            </a:r>
+            <a:r>
+              <a:rPr lang="en-US" sz="1600" b="1" smtClean="0"/>
+              <a:t>P.T</a:t>
+            </a:r>
+            <a:r>
+              <a:rPr lang="en-US" sz="1600" b="1"/>
+              <a:t>., Guerreiro, </a:t>
+            </a:r>
+            <a:r>
+              <a:rPr lang="en-US" sz="1600" b="1" smtClean="0"/>
+              <a:t>J.F</a:t>
+            </a:r>
+            <a:r>
+              <a:rPr lang="en-US" sz="1600" b="1"/>
+              <a:t>., Gonçalves, </a:t>
+            </a:r>
+            <a:r>
+              <a:rPr lang="en-US" sz="1600" b="1" smtClean="0"/>
+              <a:t>J.P</a:t>
+            </a:r>
+            <a:r>
+              <a:rPr lang="en-US" sz="1600" b="1"/>
+              <a:t>., Mira, </a:t>
+            </a:r>
+            <a:r>
+              <a:rPr lang="en-US" sz="1600" b="1" smtClean="0"/>
+              <a:t>N.P</a:t>
+            </a:r>
+            <a:r>
+              <a:rPr lang="en-US" sz="1600" b="1"/>
+              <a:t>., dos Santos, </a:t>
+            </a:r>
+            <a:r>
+              <a:rPr lang="en-US" sz="1600" b="1" smtClean="0"/>
+              <a:t>S.C</a:t>
+            </a:r>
+            <a:r>
+              <a:rPr lang="en-US" sz="1600" b="1"/>
+              <a:t>., ... &amp; Madeira, </a:t>
+            </a:r>
+            <a:r>
+              <a:rPr lang="en-US" sz="1600" b="1" smtClean="0"/>
+              <a:t>S.C</a:t>
+            </a:r>
+            <a:r>
+              <a:rPr lang="en-US" sz="1600" b="1"/>
+              <a:t>. (2014</a:t>
+            </a:r>
+            <a:r>
+              <a:rPr lang="en-US" sz="1600" b="1" smtClean="0"/>
+              <a:t>) </a:t>
+            </a:r>
+            <a:r>
+              <a:rPr lang="en-US" sz="1600" b="1"/>
+              <a:t>The YEASTRACT database: an upgraded information system for the analysis of gene and genomic transcription regulation in Saccharomyces cerevisiae. </a:t>
+            </a:r>
+            <a:r>
+              <a:rPr lang="en-US" sz="1600" b="1" i="1"/>
+              <a:t>Nucleic Acids Research</a:t>
             </a:r>
             <a:r>
               <a:rPr lang="en-US" sz="1600" b="1"/>
               <a:t>, </a:t>
             </a:r>
             <a:r>
-              <a:rPr lang="en-US" sz="1600" b="1" smtClean="0"/>
-              <a:t>M.C</a:t>
-            </a:r>
-            <a:r>
-              <a:rPr lang="en-US" sz="1600" b="1"/>
-              <a:t>., Monteiro</a:t>
-            </a:r>
-            <a:r>
-              <a:rPr lang="en-US" sz="1600" b="1"/>
-              <a:t>, </a:t>
-            </a:r>
-            <a:r>
-              <a:rPr lang="en-US" sz="1600" b="1" smtClean="0"/>
-              <a:t>P.T</a:t>
-            </a:r>
-            <a:r>
-              <a:rPr lang="en-US" sz="1600" b="1"/>
-              <a:t>., Guerreiro</a:t>
-            </a:r>
-            <a:r>
-              <a:rPr lang="en-US" sz="1600" b="1"/>
-              <a:t>, </a:t>
-            </a:r>
-            <a:r>
-              <a:rPr lang="en-US" sz="1600" b="1" smtClean="0"/>
-              <a:t>J.F</a:t>
-            </a:r>
-            <a:r>
-              <a:rPr lang="en-US" sz="1600" b="1"/>
-              <a:t>., Gonçalves</a:t>
-            </a:r>
-            <a:r>
-              <a:rPr lang="en-US" sz="1600" b="1"/>
-              <a:t>, </a:t>
-            </a:r>
-            <a:r>
-              <a:rPr lang="en-US" sz="1600" b="1" smtClean="0"/>
-              <a:t>J.P</a:t>
-            </a:r>
-            <a:r>
-              <a:rPr lang="en-US" sz="1600" b="1"/>
-              <a:t>., Mira</a:t>
-            </a:r>
-            <a:r>
-              <a:rPr lang="en-US" sz="1600" b="1"/>
-              <a:t>, </a:t>
-            </a:r>
-            <a:r>
-              <a:rPr lang="en-US" sz="1600" b="1" smtClean="0"/>
-              <a:t>N.P</a:t>
-            </a:r>
-            <a:r>
-              <a:rPr lang="en-US" sz="1600" b="1"/>
-              <a:t>., dos Santos</a:t>
-            </a:r>
-            <a:r>
-              <a:rPr lang="en-US" sz="1600" b="1"/>
-              <a:t>, </a:t>
-            </a:r>
-            <a:r>
-              <a:rPr lang="en-US" sz="1600" b="1" smtClean="0"/>
-              <a:t>S.C</a:t>
-            </a:r>
-            <a:r>
-              <a:rPr lang="en-US" sz="1600" b="1"/>
-              <a:t>., ... &amp; Madeira</a:t>
-            </a:r>
-            <a:r>
-              <a:rPr lang="en-US" sz="1600" b="1"/>
-              <a:t>, </a:t>
-            </a:r>
-            <a:r>
-              <a:rPr lang="en-US" sz="1600" b="1" smtClean="0"/>
-              <a:t>S.C</a:t>
-            </a:r>
-            <a:r>
-              <a:rPr lang="en-US" sz="1600" b="1"/>
-              <a:t>. (</a:t>
-            </a:r>
-            <a:r>
-              <a:rPr lang="en-US" sz="1600" b="1"/>
-              <a:t>2014</a:t>
-            </a:r>
-            <a:r>
-              <a:rPr lang="en-US" sz="1600" b="1" smtClean="0"/>
-              <a:t>) </a:t>
-            </a:r>
-            <a:r>
-              <a:rPr lang="en-US" sz="1600" b="1"/>
-              <a:t>The YEASTRACT database: an upgraded information system for the analysis of gene and genomic transcription regulation in Saccharomyces cerevisiae. </a:t>
-            </a:r>
-            <a:r>
-              <a:rPr lang="en-US" sz="1600" b="1" i="1"/>
-              <a:t>Nucleic Acids Research</a:t>
-            </a:r>
-            <a:r>
-              <a:rPr lang="en-US" sz="1600" b="1"/>
-              <a:t>, </a:t>
-            </a:r>
-            <a:r>
               <a:rPr lang="en-US" sz="1600" b="1" i="1"/>
               <a:t>42</a:t>
             </a:r>
             <a:r>
               <a:rPr lang="en-US" sz="1600" b="1"/>
-              <a:t>(D1</a:t>
-            </a:r>
-            <a:r>
-              <a:rPr lang="en-US" sz="1600" b="1"/>
-              <a:t>), </a:t>
+              <a:t>(D1), </a:t>
             </a:r>
             <a:r>
               <a:rPr lang="en-US" sz="1600" b="1" smtClean="0"/>
@@ -19947,31 +19544,7 @@
                   <a:schemeClr val="dk1"/>
                 </a:solidFill>
               </a:rPr>
-              <a:t>GRNsight is free and open to all </a:t>
-            </a:r>
-            <a:r>
-              <a:rPr lang="en-US" sz="2000" b="1">
-                <a:solidFill>
-                  <a:schemeClr val="dk1"/>
-                </a:solidFill>
-              </a:rPr>
-              <a:t>users </a:t>
-            </a:r>
-            <a:r>
-              <a:rPr lang="en-US" sz="2000" b="1">
-                <a:solidFill>
-                  <a:schemeClr val="dk1"/>
-                </a:solidFill>
-              </a:rPr>
-              <a:t>at http://</a:t>
-            </a:r>
-            <a:r>
-              <a:rPr lang="en-US" sz="2000" b="1">
-                <a:solidFill>
-                  <a:schemeClr val="dk1"/>
-                </a:solidFill>
-              </a:rPr>
-              <a:t>dondi.github.io/GRNsight</a:t>
+              <a:t>GRNsight is free and open to all users at http://dondi.github.io/GRNsight</a:t>
             </a:r>
             <a:r>
               <a:rPr lang="en-US" sz="2000" b="1" smtClean="0">
@@ -20013,31 +19586,7 @@
                   <a:schemeClr val="dk1"/>
                 </a:solidFill>
               </a:rPr>
-              <a:t>code is available under the open source </a:t>
-            </a:r>
-            <a:r>
-              <a:rPr lang="en-US" sz="2000" b="1">
-                <a:solidFill>
-                  <a:schemeClr val="dk1"/>
-                </a:solidFill>
-              </a:rPr>
-              <a:t>BSD </a:t>
-            </a:r>
-            <a:r>
-              <a:rPr lang="en-US" sz="2000" b="1">
-                <a:solidFill>
-                  <a:schemeClr val="dk1"/>
-                </a:solidFill>
-              </a:rPr>
-              <a:t>license at our GitHub repository at https://</a:t>
-            </a:r>
-            <a:r>
-              <a:rPr lang="en-US" sz="2000" b="1">
-                <a:solidFill>
-                  <a:schemeClr val="dk1"/>
-                </a:solidFill>
-              </a:rPr>
-              <a:t>github.com/dondi/GRNsight</a:t>
+              <a:t>code is available under the open source BSD license at our GitHub repository at https://github.com/dondi/GRNsight</a:t>
             </a:r>
             <a:r>
               <a:rPr lang="en-US" sz="2000" b="1" smtClean="0">
@@ -20063,15 +19612,7 @@
                   <a:schemeClr val="dk1"/>
                 </a:solidFill>
               </a:rPr>
-              <a:t>GRNmap MATLAB code and executable can be downloaded from http</a:t>
-            </a:r>
-            <a:r>
-              <a:rPr lang="en-US" sz="2000" b="1">
-                <a:solidFill>
-                  <a:schemeClr val="dk1"/>
-                </a:solidFill>
-              </a:rPr>
-              <a:t>://</a:t>
+              <a:t>GRNmap MATLAB code and executable can be downloaded from http://</a:t>
             </a:r>
             <a:r>
               <a:rPr lang="en-US" sz="2000" b="1" smtClean="0">
@@ -20176,6 +19717,174 @@
               <a:t>GRNsight will add node coloring based on expression data, as shown in the figure above (part F).</a:t>
             </a:r>
             <a:endParaRPr lang="en-US" sz="1800" b="1"/>
+          </a:p>
+        </p:txBody>
+      </p:sp>
+      <p:sp>
+        <p:nvSpPr>
+          <p:cNvPr id="122" name="TextBox 121"/>
+          <p:cNvSpPr txBox="1"/>
+          <p:nvPr/>
+        </p:nvSpPr>
+        <p:spPr>
+          <a:xfrm>
+            <a:off x="912789" y="17894572"/>
+            <a:ext cx="1766830" cy="276999"/>
+          </a:xfrm>
+          <a:prstGeom prst="rect">
+            <a:avLst/>
+          </a:prstGeom>
+          <a:noFill/>
+        </p:spPr>
+        <p:txBody>
+          <a:bodyPr wrap="none" rtlCol="0">
+            <a:spAutoFit/>
+          </a:bodyPr>
+          <a:lstStyle/>
+          <a:p>
+            <a:r>
+              <a:rPr lang="en-US" sz="1200" b="1" smtClean="0"/>
+              <a:t>Dahlquist et al.</a:t>
+            </a:r>
+            <a:r>
+              <a:rPr lang="en-US" sz="1200" b="1" smtClean="0"/>
+              <a:t> </a:t>
+            </a:r>
+            <a:r>
+              <a:rPr lang="en-US" sz="1200" b="1" smtClean="0"/>
+              <a:t>(</a:t>
+            </a:r>
+            <a:r>
+              <a:rPr lang="en-US" sz="1200" b="1" smtClean="0"/>
+              <a:t>2015)</a:t>
+            </a:r>
+            <a:endParaRPr lang="en-US" sz="1200" b="1"/>
+          </a:p>
+        </p:txBody>
+      </p:sp>
+      <p:sp>
+        <p:nvSpPr>
+          <p:cNvPr id="135" name="TextBox 134"/>
+          <p:cNvSpPr txBox="1"/>
+          <p:nvPr/>
+        </p:nvSpPr>
+        <p:spPr>
+          <a:xfrm>
+            <a:off x="9050977" y="21896177"/>
+            <a:ext cx="1766830" cy="276999"/>
+          </a:xfrm>
+          <a:prstGeom prst="rect">
+            <a:avLst/>
+          </a:prstGeom>
+          <a:noFill/>
+        </p:spPr>
+        <p:txBody>
+          <a:bodyPr wrap="none" rtlCol="0">
+            <a:spAutoFit/>
+          </a:bodyPr>
+          <a:lstStyle/>
+          <a:p>
+            <a:r>
+              <a:rPr lang="en-US" sz="1200" b="1" smtClean="0"/>
+              <a:t>Dahlquist et al.</a:t>
+            </a:r>
+            <a:r>
+              <a:rPr lang="en-US" sz="1200" b="1" smtClean="0"/>
+              <a:t> </a:t>
+            </a:r>
+            <a:r>
+              <a:rPr lang="en-US" sz="1200" b="1" smtClean="0"/>
+              <a:t>(</a:t>
+            </a:r>
+            <a:r>
+              <a:rPr lang="en-US" sz="1200" b="1" smtClean="0"/>
+              <a:t>2015)</a:t>
+            </a:r>
+            <a:endParaRPr lang="en-US" sz="1200" b="1"/>
+          </a:p>
+        </p:txBody>
+      </p:sp>
+      <p:sp>
+        <p:nvSpPr>
+          <p:cNvPr id="137" name="TextBox 136"/>
+          <p:cNvSpPr txBox="1"/>
+          <p:nvPr/>
+        </p:nvSpPr>
+        <p:spPr>
+          <a:xfrm>
+            <a:off x="1743395" y="31874599"/>
+            <a:ext cx="1766830" cy="276999"/>
+          </a:xfrm>
+          <a:prstGeom prst="rect">
+            <a:avLst/>
+          </a:prstGeom>
+          <a:noFill/>
+        </p:spPr>
+        <p:txBody>
+          <a:bodyPr wrap="none" rtlCol="0">
+            <a:spAutoFit/>
+          </a:bodyPr>
+          <a:lstStyle/>
+          <a:p>
+            <a:r>
+              <a:rPr lang="en-US" sz="1200" b="1" smtClean="0"/>
+              <a:t>Dahlquist et al.</a:t>
+            </a:r>
+            <a:r>
+              <a:rPr lang="en-US" sz="1200" b="1" smtClean="0"/>
+              <a:t> </a:t>
+            </a:r>
+            <a:r>
+              <a:rPr lang="en-US" sz="1200" b="1" smtClean="0"/>
+              <a:t>(</a:t>
+            </a:r>
+            <a:r>
+              <a:rPr lang="en-US" sz="1200" b="1" smtClean="0"/>
+              <a:t>2015)</a:t>
+            </a:r>
+            <a:endParaRPr lang="en-US" sz="1200" b="1"/>
+          </a:p>
+        </p:txBody>
+      </p:sp>
+      <p:sp>
+        <p:nvSpPr>
+          <p:cNvPr id="142" name="TextBox 141"/>
+          <p:cNvSpPr txBox="1"/>
+          <p:nvPr/>
+        </p:nvSpPr>
+        <p:spPr>
+          <a:xfrm>
+            <a:off x="11713831" y="13874329"/>
+            <a:ext cx="1766830" cy="276999"/>
+          </a:xfrm>
+          <a:prstGeom prst="rect">
+            <a:avLst/>
+          </a:prstGeom>
+          <a:noFill/>
+        </p:spPr>
+        <p:txBody>
+          <a:bodyPr wrap="none" rtlCol="0">
+            <a:spAutoFit/>
+          </a:bodyPr>
+          <a:lstStyle/>
+          <a:p>
+            <a:r>
+              <a:rPr lang="en-US" sz="1200" b="1" smtClean="0"/>
+              <a:t>Dahlquist et al.</a:t>
+            </a:r>
+            <a:r>
+              <a:rPr lang="en-US" sz="1200" b="1" smtClean="0"/>
+              <a:t> </a:t>
+            </a:r>
+            <a:r>
+              <a:rPr lang="en-US" sz="1200" b="1" smtClean="0"/>
+              <a:t>(</a:t>
+            </a:r>
+            <a:r>
+              <a:rPr lang="en-US" sz="1200" b="1" smtClean="0"/>
+              <a:t>2015)</a:t>
+            </a:r>
+            <a:endParaRPr lang="en-US" sz="1200" b="1"/>
           </a:p>
         </p:txBody>
       </p:sp>
